--- a/4.UI/CRM - Icones  -v1.pptx
+++ b/4.UI/CRM - Icones  -v1.pptx
@@ -186,7 +186,7 @@
       </p14:sectionLst>
     </p:ext>
     <p:ext uri="{EFAFB233-063F-42B5-8137-9DF3F51BA10A}">
-      <p15:sldGuideLst xmlns="" xmlns:p15="http://schemas.microsoft.com/office/powerpoint/2012/main">
+      <p15:sldGuideLst xmlns:p15="http://schemas.microsoft.com/office/powerpoint/2012/main" xmlns="">
         <p15:guide id="1" orient="horz" pos="3402" userDrawn="1">
           <p15:clr>
             <a:srgbClr val="A4A3A4"/>
@@ -285,7 +285,7 @@
           <a:p>
             <a:fld id="{9F743EC8-76CF-4E7F-BAC7-304746B76D72}" type="datetimeFigureOut">
               <a:rPr lang="pt-BR" smtClean="0"/>
-              <a:t>03/06/2016</a:t>
+              <a:t>14/06/2016</a:t>
             </a:fld>
             <a:endParaRPr lang="pt-BR"/>
           </a:p>
@@ -735,7 +735,7 @@
             <a:fld id="{1B45BA29-84C7-4EAB-A065-0CAC1B85748C}" type="datetimeFigureOut">
               <a:rPr lang="pt-BR" smtClean="0"/>
               <a:pPr/>
-              <a:t>03/06/2016</a:t>
+              <a:t>14/06/2016</a:t>
             </a:fld>
             <a:endParaRPr lang="pt-BR"/>
           </a:p>
@@ -902,7 +902,7 @@
             <a:fld id="{1B45BA29-84C7-4EAB-A065-0CAC1B85748C}" type="datetimeFigureOut">
               <a:rPr lang="pt-BR" smtClean="0"/>
               <a:pPr/>
-              <a:t>03/06/2016</a:t>
+              <a:t>14/06/2016</a:t>
             </a:fld>
             <a:endParaRPr lang="pt-BR"/>
           </a:p>
@@ -1079,7 +1079,7 @@
             <a:fld id="{1B45BA29-84C7-4EAB-A065-0CAC1B85748C}" type="datetimeFigureOut">
               <a:rPr lang="pt-BR" smtClean="0"/>
               <a:pPr/>
-              <a:t>03/06/2016</a:t>
+              <a:t>14/06/2016</a:t>
             </a:fld>
             <a:endParaRPr lang="pt-BR"/>
           </a:p>
@@ -1246,7 +1246,7 @@
             <a:fld id="{1B45BA29-84C7-4EAB-A065-0CAC1B85748C}" type="datetimeFigureOut">
               <a:rPr lang="pt-BR" smtClean="0"/>
               <a:pPr/>
-              <a:t>03/06/2016</a:t>
+              <a:t>14/06/2016</a:t>
             </a:fld>
             <a:endParaRPr lang="pt-BR"/>
           </a:p>
@@ -1489,7 +1489,7 @@
             <a:fld id="{1B45BA29-84C7-4EAB-A065-0CAC1B85748C}" type="datetimeFigureOut">
               <a:rPr lang="pt-BR" smtClean="0"/>
               <a:pPr/>
-              <a:t>03/06/2016</a:t>
+              <a:t>14/06/2016</a:t>
             </a:fld>
             <a:endParaRPr lang="pt-BR"/>
           </a:p>
@@ -1774,7 +1774,7 @@
             <a:fld id="{1B45BA29-84C7-4EAB-A065-0CAC1B85748C}" type="datetimeFigureOut">
               <a:rPr lang="pt-BR" smtClean="0"/>
               <a:pPr/>
-              <a:t>03/06/2016</a:t>
+              <a:t>14/06/2016</a:t>
             </a:fld>
             <a:endParaRPr lang="pt-BR"/>
           </a:p>
@@ -2193,7 +2193,7 @@
             <a:fld id="{1B45BA29-84C7-4EAB-A065-0CAC1B85748C}" type="datetimeFigureOut">
               <a:rPr lang="pt-BR" smtClean="0"/>
               <a:pPr/>
-              <a:t>03/06/2016</a:t>
+              <a:t>14/06/2016</a:t>
             </a:fld>
             <a:endParaRPr lang="pt-BR"/>
           </a:p>
@@ -2308,7 +2308,7 @@
             <a:fld id="{1B45BA29-84C7-4EAB-A065-0CAC1B85748C}" type="datetimeFigureOut">
               <a:rPr lang="pt-BR" smtClean="0"/>
               <a:pPr/>
-              <a:t>03/06/2016</a:t>
+              <a:t>14/06/2016</a:t>
             </a:fld>
             <a:endParaRPr lang="pt-BR"/>
           </a:p>
@@ -2400,7 +2400,7 @@
             <a:fld id="{1B45BA29-84C7-4EAB-A065-0CAC1B85748C}" type="datetimeFigureOut">
               <a:rPr lang="pt-BR" smtClean="0"/>
               <a:pPr/>
-              <a:t>03/06/2016</a:t>
+              <a:t>14/06/2016</a:t>
             </a:fld>
             <a:endParaRPr lang="pt-BR"/>
           </a:p>
@@ -2674,7 +2674,7 @@
             <a:fld id="{1B45BA29-84C7-4EAB-A065-0CAC1B85748C}" type="datetimeFigureOut">
               <a:rPr lang="pt-BR" smtClean="0"/>
               <a:pPr/>
-              <a:t>03/06/2016</a:t>
+              <a:t>14/06/2016</a:t>
             </a:fld>
             <a:endParaRPr lang="pt-BR"/>
           </a:p>
@@ -2924,7 +2924,7 @@
             <a:fld id="{1B45BA29-84C7-4EAB-A065-0CAC1B85748C}" type="datetimeFigureOut">
               <a:rPr lang="pt-BR" smtClean="0"/>
               <a:pPr/>
-              <a:t>03/06/2016</a:t>
+              <a:t>14/06/2016</a:t>
             </a:fld>
             <a:endParaRPr lang="pt-BR"/>
           </a:p>
@@ -3134,7 +3134,7 @@
             <a:fld id="{1B45BA29-84C7-4EAB-A065-0CAC1B85748C}" type="datetimeFigureOut">
               <a:rPr lang="pt-BR" smtClean="0"/>
               <a:pPr/>
-              <a:t>03/06/2016</a:t>
+              <a:t>14/06/2016</a:t>
             </a:fld>
             <a:endParaRPr lang="pt-BR"/>
           </a:p>
@@ -3620,15 +3620,15 @@
           <a:p>
             <a:pPr algn="ctr"/>
             <a:r>
-              <a:rPr lang="pt-BR" sz="12000" b="1" dirty="0" smtClean="0">
+              <a:rPr lang="pt-BR" sz="9600" b="1" dirty="0" smtClean="0">
                 <a:solidFill>
                   <a:srgbClr val="008000"/>
                 </a:solidFill>
                 <a:latin typeface="Candara" pitchFamily="34" charset="0"/>
               </a:rPr>
-              <a:t>Usuários</a:t>
+              <a:t>Acesso</a:t>
             </a:r>
-            <a:endParaRPr lang="pt-BR" sz="12000" b="1" dirty="0">
+            <a:endParaRPr lang="pt-BR" sz="9600" b="1" dirty="0">
               <a:solidFill>
                 <a:srgbClr val="008000"/>
               </a:solidFill>
@@ -16299,7 +16299,7 @@
           <a:p>
             <a:pPr algn="ctr"/>
             <a:r>
-              <a:rPr lang="pt-BR" sz="9500" b="1" dirty="0" smtClean="0">
+              <a:rPr lang="pt-BR" sz="9600" b="1" dirty="0" smtClean="0">
                 <a:solidFill>
                   <a:schemeClr val="accent6">
                     <a:lumMod val="50000"/>
@@ -16309,7 +16309,7 @@
               </a:rPr>
               <a:t>Minhas Campanhas</a:t>
             </a:r>
-            <a:endParaRPr lang="pt-BR" sz="9500" b="1" dirty="0">
+            <a:endParaRPr lang="pt-BR" sz="9600" b="1" dirty="0">
               <a:solidFill>
                 <a:schemeClr val="accent6">
                   <a:lumMod val="50000"/>
